--- a/005_SetupRunTensorflowMacOS.pptx
+++ b/005_SetupRunTensorflowMacOS.pptx
@@ -247,7 +247,7 @@
             <a:fld id="{6837EDA8-41C8-4B24-A206-13C08A65A6D7}" type="datetimeFigureOut">
               <a:rPr lang="zh-TW" altLang="en-US" smtClean="0"/>
               <a:pPr/>
-              <a:t>2020/9/24</a:t>
+              <a:t>2020/9/25</a:t>
             </a:fld>
             <a:endParaRPr lang="zh-TW" altLang="en-US"/>
           </a:p>
@@ -700,7 +700,7 @@
             <a:fld id="{8B85509C-BD4F-47BF-9B1E-FC2E949B3621}" type="datetime1">
               <a:rPr lang="zh-TW" altLang="en-US" smtClean="0"/>
               <a:pPr/>
-              <a:t>2020/9/24</a:t>
+              <a:t>2020/9/25</a:t>
             </a:fld>
             <a:endParaRPr lang="zh-TW" altLang="en-US"/>
           </a:p>
@@ -873,7 +873,7 @@
             <a:fld id="{42251B24-F787-4C15-8A0F-7AEC20C70069}" type="datetime1">
               <a:rPr lang="zh-TW" altLang="en-US" smtClean="0"/>
               <a:pPr/>
-              <a:t>2020/9/24</a:t>
+              <a:t>2020/9/25</a:t>
             </a:fld>
             <a:endParaRPr lang="zh-TW" altLang="en-US"/>
           </a:p>
@@ -1048,7 +1048,7 @@
             <a:fld id="{9CA0D33C-CE2B-45F1-B8D4-FFD1F131F331}" type="datetime1">
               <a:rPr lang="zh-TW" altLang="en-US" smtClean="0"/>
               <a:pPr/>
-              <a:t>2020/9/24</a:t>
+              <a:t>2020/9/25</a:t>
             </a:fld>
             <a:endParaRPr lang="zh-TW" altLang="en-US"/>
           </a:p>
@@ -1213,7 +1213,7 @@
             <a:fld id="{50B99440-D9EF-40CC-9B52-F6428D9B2C76}" type="datetime1">
               <a:rPr lang="zh-TW" altLang="en-US" smtClean="0"/>
               <a:pPr/>
-              <a:t>2020/9/24</a:t>
+              <a:t>2020/9/25</a:t>
             </a:fld>
             <a:endParaRPr lang="zh-TW" altLang="en-US"/>
           </a:p>
@@ -1455,7 +1455,7 @@
             <a:fld id="{0871BF52-5C6C-4959-8E27-CECB68D39FE4}" type="datetime1">
               <a:rPr lang="zh-TW" altLang="en-US" smtClean="0"/>
               <a:pPr/>
-              <a:t>2020/9/24</a:t>
+              <a:t>2020/9/25</a:t>
             </a:fld>
             <a:endParaRPr lang="zh-TW" altLang="en-US"/>
           </a:p>
@@ -1737,7 +1737,7 @@
             <a:fld id="{DF863F05-2DD9-4EB1-A827-12FD992DE9DC}" type="datetime1">
               <a:rPr lang="zh-TW" altLang="en-US" smtClean="0"/>
               <a:pPr/>
-              <a:t>2020/9/24</a:t>
+              <a:t>2020/9/25</a:t>
             </a:fld>
             <a:endParaRPr lang="zh-TW" altLang="en-US"/>
           </a:p>
@@ -2153,7 +2153,7 @@
             <a:fld id="{6339AF51-4491-4873-A096-75DB6CE47516}" type="datetime1">
               <a:rPr lang="zh-TW" altLang="en-US" smtClean="0"/>
               <a:pPr/>
-              <a:t>2020/9/24</a:t>
+              <a:t>2020/9/25</a:t>
             </a:fld>
             <a:endParaRPr lang="zh-TW" altLang="en-US"/>
           </a:p>
@@ -2267,7 +2267,7 @@
             <a:fld id="{EE4AD9C8-8B9E-40FF-ABE2-858AC2057BBB}" type="datetime1">
               <a:rPr lang="zh-TW" altLang="en-US" smtClean="0"/>
               <a:pPr/>
-              <a:t>2020/9/24</a:t>
+              <a:t>2020/9/25</a:t>
             </a:fld>
             <a:endParaRPr lang="zh-TW" altLang="en-US"/>
           </a:p>
@@ -2359,7 +2359,7 @@
             <a:fld id="{B4784999-BBBE-4BE4-A8D0-877E7D1D66CC}" type="datetime1">
               <a:rPr lang="zh-TW" altLang="en-US" smtClean="0"/>
               <a:pPr/>
-              <a:t>2020/9/24</a:t>
+              <a:t>2020/9/25</a:t>
             </a:fld>
             <a:endParaRPr lang="zh-TW" altLang="en-US"/>
           </a:p>
@@ -2631,7 +2631,7 @@
             <a:fld id="{E88D17E6-02BD-4944-B9FE-7BFCCBF83D48}" type="datetime1">
               <a:rPr lang="zh-TW" altLang="en-US" smtClean="0"/>
               <a:pPr/>
-              <a:t>2020/9/24</a:t>
+              <a:t>2020/9/25</a:t>
             </a:fld>
             <a:endParaRPr lang="zh-TW" altLang="en-US"/>
           </a:p>
@@ -2880,7 +2880,7 @@
             <a:fld id="{3C13E23D-1FEF-4D78-A3A3-3D6F2BB31954}" type="datetime1">
               <a:rPr lang="zh-TW" altLang="en-US" smtClean="0"/>
               <a:pPr/>
-              <a:t>2020/9/24</a:t>
+              <a:t>2020/9/25</a:t>
             </a:fld>
             <a:endParaRPr lang="zh-TW" altLang="en-US"/>
           </a:p>
@@ -3088,7 +3088,7 @@
             <a:fld id="{06197F35-AD6F-4594-8B50-334492D2E7E8}" type="datetime1">
               <a:rPr lang="zh-TW" altLang="en-US" smtClean="0"/>
               <a:pPr/>
-              <a:t>2020/9/24</a:t>
+              <a:t>2020/9/25</a:t>
             </a:fld>
             <a:endParaRPr lang="zh-TW" altLang="en-US"/>
           </a:p>
@@ -3549,7 +3549,7 @@
             <a:fld id="{C389EDC9-19E3-47AC-9C57-C6A24DEA81AD}" type="datetime1">
               <a:rPr lang="zh-TW" altLang="en-US" smtClean="0"/>
               <a:pPr/>
-              <a:t>2020/9/24</a:t>
+              <a:t>2020/9/25</a:t>
             </a:fld>
             <a:endParaRPr lang="zh-TW" altLang="en-US"/>
           </a:p>
@@ -3927,7 +3927,7 @@
             <a:fld id="{A4F910E6-8D00-4BAF-8C48-9688E0B449D3}" type="datetime1">
               <a:rPr lang="zh-TW" altLang="en-US" smtClean="0"/>
               <a:pPr/>
-              <a:t>2020/9/24</a:t>
+              <a:t>2020/9/25</a:t>
             </a:fld>
             <a:endParaRPr lang="zh-TW" altLang="en-US"/>
           </a:p>
@@ -4275,7 +4275,7 @@
             <a:fld id="{C389EDC9-19E3-47AC-9C57-C6A24DEA81AD}" type="datetime1">
               <a:rPr lang="zh-TW" altLang="en-US" smtClean="0"/>
               <a:pPr/>
-              <a:t>2020/9/24</a:t>
+              <a:t>2020/9/25</a:t>
             </a:fld>
             <a:endParaRPr lang="zh-TW" altLang="en-US"/>
           </a:p>
@@ -4654,7 +4654,7 @@
             <a:fld id="{A4F910E6-8D00-4BAF-8C48-9688E0B449D3}" type="datetime1">
               <a:rPr lang="zh-TW" altLang="en-US" smtClean="0"/>
               <a:pPr/>
-              <a:t>2020/9/24</a:t>
+              <a:t>2020/9/25</a:t>
             </a:fld>
             <a:endParaRPr lang="zh-TW" altLang="en-US"/>
           </a:p>
@@ -5002,7 +5002,7 @@
             <a:fld id="{C389EDC9-19E3-47AC-9C57-C6A24DEA81AD}" type="datetime1">
               <a:rPr lang="zh-TW" altLang="en-US" smtClean="0"/>
               <a:pPr/>
-              <a:t>2020/9/24</a:t>
+              <a:t>2020/9/25</a:t>
             </a:fld>
             <a:endParaRPr lang="zh-TW" altLang="en-US"/>
           </a:p>
@@ -5339,7 +5339,7 @@
             <a:fld id="{A4F910E6-8D00-4BAF-8C48-9688E0B449D3}" type="datetime1">
               <a:rPr lang="zh-TW" altLang="en-US" smtClean="0"/>
               <a:pPr/>
-              <a:t>2020/9/24</a:t>
+              <a:t>2020/9/25</a:t>
             </a:fld>
             <a:endParaRPr lang="zh-TW" altLang="en-US"/>
           </a:p>
@@ -5725,7 +5725,7 @@
             <a:fld id="{C389EDC9-19E3-47AC-9C57-C6A24DEA81AD}" type="datetime1">
               <a:rPr lang="zh-TW" altLang="en-US" smtClean="0"/>
               <a:pPr/>
-              <a:t>2020/9/24</a:t>
+              <a:t>2020/9/25</a:t>
             </a:fld>
             <a:endParaRPr lang="zh-TW" altLang="en-US"/>
           </a:p>
@@ -6105,7 +6105,7 @@
             <a:fld id="{A4F910E6-8D00-4BAF-8C48-9688E0B449D3}" type="datetime1">
               <a:rPr lang="zh-TW" altLang="en-US" smtClean="0"/>
               <a:pPr/>
-              <a:t>2020/9/24</a:t>
+              <a:t>2020/9/25</a:t>
             </a:fld>
             <a:endParaRPr lang="zh-TW" altLang="en-US"/>
           </a:p>
@@ -6729,7 +6729,7 @@
             <a:fld id="{A4F910E6-8D00-4BAF-8C48-9688E0B449D3}" type="datetime1">
               <a:rPr lang="zh-TW" altLang="en-US" smtClean="0"/>
               <a:pPr/>
-              <a:t>2020/9/24</a:t>
+              <a:t>2020/9/25</a:t>
             </a:fld>
             <a:endParaRPr lang="zh-TW" altLang="en-US"/>
           </a:p>
@@ -7077,7 +7077,7 @@
             <a:fld id="{C389EDC9-19E3-47AC-9C57-C6A24DEA81AD}" type="datetime1">
               <a:rPr lang="zh-TW" altLang="en-US" smtClean="0"/>
               <a:pPr/>
-              <a:t>2020/9/24</a:t>
+              <a:t>2020/9/25</a:t>
             </a:fld>
             <a:endParaRPr lang="zh-TW" altLang="en-US"/>
           </a:p>
@@ -7437,7 +7437,7 @@
             <a:fld id="{A4F910E6-8D00-4BAF-8C48-9688E0B449D3}" type="datetime1">
               <a:rPr lang="zh-TW" altLang="en-US" smtClean="0"/>
               <a:pPr/>
-              <a:t>2020/9/24</a:t>
+              <a:t>2020/9/25</a:t>
             </a:fld>
             <a:endParaRPr lang="zh-TW" altLang="en-US"/>
           </a:p>
@@ -7758,13 +7758,18 @@
               <a:buChar char="u"/>
             </a:pPr>
             <a:r>
-              <a:rPr lang="en-US" altLang="en-US" sz="1800" b="1" dirty="0">
+              <a:rPr lang="en-US" altLang="en-US" sz="1800" b="1">
                 <a:solidFill>
                   <a:srgbClr val="29303B"/>
                 </a:solidFill>
               </a:rPr>
-              <a:t>YouTube video:</a:t>
-            </a:r>
+              <a:t>YouTube video for MacOS:</a:t>
+            </a:r>
+            <a:endParaRPr lang="en-US" altLang="en-US" sz="1800" b="1" dirty="0">
+              <a:solidFill>
+                <a:srgbClr val="29303B"/>
+              </a:solidFill>
+            </a:endParaRPr>
           </a:p>
           <a:p>
             <a:pPr marL="342900" indent="-342900" algn="l">
@@ -7782,7 +7787,7 @@
                 </a:solidFill>
                 <a:hlinkClick r:id="rId2"/>
               </a:rPr>
-              <a:t>https://www.youtube.com/watch?v=RgO8BBNGB8w&amp;t=376s</a:t>
+              <a:t>https://m.youtube.com/watch?v=MpUvdLD932c</a:t>
             </a:r>
             <a:endParaRPr lang="en-US" altLang="en-US" sz="1800" b="1" dirty="0">
               <a:solidFill>
@@ -7982,7 +7987,7 @@
             <a:fld id="{A4F910E6-8D00-4BAF-8C48-9688E0B449D3}" type="datetime1">
               <a:rPr lang="zh-TW" altLang="en-US" smtClean="0"/>
               <a:pPr/>
-              <a:t>2020/9/24</a:t>
+              <a:t>2020/9/25</a:t>
             </a:fld>
             <a:endParaRPr lang="zh-TW" altLang="en-US"/>
           </a:p>
@@ -8295,7 +8300,7 @@
             <a:fld id="{C389EDC9-19E3-47AC-9C57-C6A24DEA81AD}" type="datetime1">
               <a:rPr lang="zh-TW" altLang="en-US" smtClean="0"/>
               <a:pPr/>
-              <a:t>2020/9/24</a:t>
+              <a:t>2020/9/25</a:t>
             </a:fld>
             <a:endParaRPr lang="zh-TW" altLang="en-US"/>
           </a:p>
@@ -8631,7 +8636,7 @@
             <a:fld id="{A4F910E6-8D00-4BAF-8C48-9688E0B449D3}" type="datetime1">
               <a:rPr lang="zh-TW" altLang="en-US" smtClean="0"/>
               <a:pPr/>
-              <a:t>2020/9/24</a:t>
+              <a:t>2020/9/25</a:t>
             </a:fld>
             <a:endParaRPr lang="zh-TW" altLang="en-US"/>
           </a:p>
@@ -8988,7 +8993,7 @@
             <a:fld id="{A4F910E6-8D00-4BAF-8C48-9688E0B449D3}" type="datetime1">
               <a:rPr lang="zh-TW" altLang="en-US" smtClean="0"/>
               <a:pPr/>
-              <a:t>2020/9/24</a:t>
+              <a:t>2020/9/25</a:t>
             </a:fld>
             <a:endParaRPr lang="zh-TW" altLang="en-US"/>
           </a:p>
@@ -9345,7 +9350,7 @@
             <a:fld id="{A4F910E6-8D00-4BAF-8C48-9688E0B449D3}" type="datetime1">
               <a:rPr lang="zh-TW" altLang="en-US" smtClean="0"/>
               <a:pPr/>
-              <a:t>2020/9/24</a:t>
+              <a:t>2020/9/25</a:t>
             </a:fld>
             <a:endParaRPr lang="zh-TW" altLang="en-US"/>
           </a:p>
@@ -9529,7 +9534,7 @@
             <a:fld id="{C389EDC9-19E3-47AC-9C57-C6A24DEA81AD}" type="datetime1">
               <a:rPr lang="zh-TW" altLang="en-US" smtClean="0"/>
               <a:pPr/>
-              <a:t>2020/9/24</a:t>
+              <a:t>2020/9/25</a:t>
             </a:fld>
             <a:endParaRPr lang="zh-TW" altLang="en-US"/>
           </a:p>
@@ -9879,7 +9884,7 @@
             <a:fld id="{A4F910E6-8D00-4BAF-8C48-9688E0B449D3}" type="datetime1">
               <a:rPr lang="zh-TW" altLang="en-US" smtClean="0"/>
               <a:pPr/>
-              <a:t>2020/9/24</a:t>
+              <a:t>2020/9/25</a:t>
             </a:fld>
             <a:endParaRPr lang="zh-TW" altLang="en-US"/>
           </a:p>
@@ -10270,7 +10275,7 @@
             <a:fld id="{A4F910E6-8D00-4BAF-8C48-9688E0B449D3}" type="datetime1">
               <a:rPr lang="zh-TW" altLang="en-US" smtClean="0"/>
               <a:pPr/>
-              <a:t>2020/9/24</a:t>
+              <a:t>2020/9/25</a:t>
             </a:fld>
             <a:endParaRPr lang="zh-TW" altLang="en-US"/>
           </a:p>
@@ -10447,7 +10452,7 @@
             <a:fld id="{4E46BE27-E923-4EC2-B046-3272AE2A3E5C}" type="datetime1">
               <a:rPr lang="zh-TW" altLang="en-US" smtClean="0"/>
               <a:pPr/>
-              <a:t>2020/9/24</a:t>
+              <a:t>2020/9/25</a:t>
             </a:fld>
             <a:endParaRPr lang="zh-TW" altLang="en-US"/>
           </a:p>
@@ -10561,7 +10566,7 @@
             <a:fld id="{C389EDC9-19E3-47AC-9C57-C6A24DEA81AD}" type="datetime1">
               <a:rPr lang="zh-TW" altLang="en-US" smtClean="0"/>
               <a:pPr/>
-              <a:t>2020/9/24</a:t>
+              <a:t>2020/9/25</a:t>
             </a:fld>
             <a:endParaRPr lang="zh-TW" altLang="en-US"/>
           </a:p>
@@ -10928,7 +10933,7 @@
             <a:fld id="{A4F910E6-8D00-4BAF-8C48-9688E0B449D3}" type="datetime1">
               <a:rPr lang="zh-TW" altLang="en-US" smtClean="0"/>
               <a:pPr/>
-              <a:t>2020/9/24</a:t>
+              <a:t>2020/9/25</a:t>
             </a:fld>
             <a:endParaRPr lang="zh-TW" altLang="en-US"/>
           </a:p>
@@ -11510,7 +11515,7 @@
             <a:fld id="{A4F910E6-8D00-4BAF-8C48-9688E0B449D3}" type="datetime1">
               <a:rPr lang="zh-TW" altLang="en-US" smtClean="0"/>
               <a:pPr/>
-              <a:t>2020/9/24</a:t>
+              <a:t>2020/9/25</a:t>
             </a:fld>
             <a:endParaRPr lang="zh-TW" altLang="en-US"/>
           </a:p>
@@ -12076,7 +12081,7 @@
             <a:fld id="{A4F910E6-8D00-4BAF-8C48-9688E0B449D3}" type="datetime1">
               <a:rPr lang="zh-TW" altLang="en-US" smtClean="0"/>
               <a:pPr/>
-              <a:t>2020/9/24</a:t>
+              <a:t>2020/9/25</a:t>
             </a:fld>
             <a:endParaRPr lang="zh-TW" altLang="en-US"/>
           </a:p>
@@ -12642,7 +12647,7 @@
             <a:fld id="{A4F910E6-8D00-4BAF-8C48-9688E0B449D3}" type="datetime1">
               <a:rPr lang="zh-TW" altLang="en-US" smtClean="0"/>
               <a:pPr/>
-              <a:t>2020/9/24</a:t>
+              <a:t>2020/9/25</a:t>
             </a:fld>
             <a:endParaRPr lang="zh-TW" altLang="en-US"/>
           </a:p>
@@ -13208,7 +13213,7 @@
             <a:fld id="{A4F910E6-8D00-4BAF-8C48-9688E0B449D3}" type="datetime1">
               <a:rPr lang="zh-TW" altLang="en-US" smtClean="0"/>
               <a:pPr/>
-              <a:t>2020/9/24</a:t>
+              <a:t>2020/9/25</a:t>
             </a:fld>
             <a:endParaRPr lang="zh-TW" altLang="en-US"/>
           </a:p>
@@ -13774,7 +13779,7 @@
             <a:fld id="{A4F910E6-8D00-4BAF-8C48-9688E0B449D3}" type="datetime1">
               <a:rPr lang="zh-TW" altLang="en-US" smtClean="0"/>
               <a:pPr/>
-              <a:t>2020/9/24</a:t>
+              <a:t>2020/9/25</a:t>
             </a:fld>
             <a:endParaRPr lang="zh-TW" altLang="en-US"/>
           </a:p>
